--- a/Project 1 - 8-3-20 - 2.pptx
+++ b/Project 1 - 8-3-20 - 2.pptx
@@ -7,20 +7,21 @@
   <p:sldIdLst>
     <p:sldId id="256" r:id="rId2"/>
     <p:sldId id="279" r:id="rId3"/>
-    <p:sldId id="274" r:id="rId4"/>
-    <p:sldId id="267" r:id="rId5"/>
-    <p:sldId id="268" r:id="rId6"/>
-    <p:sldId id="260" r:id="rId7"/>
-    <p:sldId id="276" r:id="rId8"/>
-    <p:sldId id="261" r:id="rId9"/>
-    <p:sldId id="262" r:id="rId10"/>
-    <p:sldId id="263" r:id="rId11"/>
-    <p:sldId id="264" r:id="rId12"/>
-    <p:sldId id="277" r:id="rId13"/>
-    <p:sldId id="271" r:id="rId14"/>
-    <p:sldId id="272" r:id="rId15"/>
-    <p:sldId id="270" r:id="rId16"/>
-    <p:sldId id="269" r:id="rId17"/>
+    <p:sldId id="280" r:id="rId4"/>
+    <p:sldId id="274" r:id="rId5"/>
+    <p:sldId id="267" r:id="rId6"/>
+    <p:sldId id="268" r:id="rId7"/>
+    <p:sldId id="260" r:id="rId8"/>
+    <p:sldId id="276" r:id="rId9"/>
+    <p:sldId id="261" r:id="rId10"/>
+    <p:sldId id="262" r:id="rId11"/>
+    <p:sldId id="263" r:id="rId12"/>
+    <p:sldId id="264" r:id="rId13"/>
+    <p:sldId id="277" r:id="rId14"/>
+    <p:sldId id="271" r:id="rId15"/>
+    <p:sldId id="272" r:id="rId16"/>
+    <p:sldId id="270" r:id="rId17"/>
+    <p:sldId id="269" r:id="rId18"/>
   </p:sldIdLst>
   <p:sldSz cx="12192000" cy="6858000"/>
   <p:notesSz cx="6858000" cy="9144000"/>
@@ -4392,7 +4393,7 @@
           <a:p>
             <a:fld id="{1868F417-BAD8-4F21-9FC5-C2E6B69DA515}" type="datetimeFigureOut">
               <a:rPr lang="en-US" smtClean="0"/>
-              <a:t>8/3/2020</a:t>
+              <a:t>8/4/2020</a:t>
             </a:fld>
             <a:endParaRPr lang="en-US" dirty="0"/>
           </a:p>
@@ -4590,7 +4591,7 @@
           <a:p>
             <a:fld id="{1868F417-BAD8-4F21-9FC5-C2E6B69DA515}" type="datetimeFigureOut">
               <a:rPr lang="en-US" smtClean="0"/>
-              <a:t>8/3/2020</a:t>
+              <a:t>8/4/2020</a:t>
             </a:fld>
             <a:endParaRPr lang="en-US" dirty="0"/>
           </a:p>
@@ -4798,7 +4799,7 @@
           <a:p>
             <a:fld id="{1868F417-BAD8-4F21-9FC5-C2E6B69DA515}" type="datetimeFigureOut">
               <a:rPr lang="en-US" smtClean="0"/>
-              <a:t>8/3/2020</a:t>
+              <a:t>8/4/2020</a:t>
             </a:fld>
             <a:endParaRPr lang="en-US" dirty="0"/>
           </a:p>
@@ -4996,7 +4997,7 @@
           <a:p>
             <a:fld id="{1868F417-BAD8-4F21-9FC5-C2E6B69DA515}" type="datetimeFigureOut">
               <a:rPr lang="en-US" smtClean="0"/>
-              <a:t>8/3/2020</a:t>
+              <a:t>8/4/2020</a:t>
             </a:fld>
             <a:endParaRPr lang="en-US" dirty="0"/>
           </a:p>
@@ -5271,7 +5272,7 @@
           <a:p>
             <a:fld id="{1868F417-BAD8-4F21-9FC5-C2E6B69DA515}" type="datetimeFigureOut">
               <a:rPr lang="en-US" smtClean="0"/>
-              <a:t>8/3/2020</a:t>
+              <a:t>8/4/2020</a:t>
             </a:fld>
             <a:endParaRPr lang="en-US" dirty="0"/>
           </a:p>
@@ -5536,7 +5537,7 @@
           <a:p>
             <a:fld id="{1868F417-BAD8-4F21-9FC5-C2E6B69DA515}" type="datetimeFigureOut">
               <a:rPr lang="en-US" smtClean="0"/>
-              <a:t>8/3/2020</a:t>
+              <a:t>8/4/2020</a:t>
             </a:fld>
             <a:endParaRPr lang="en-US" dirty="0"/>
           </a:p>
@@ -5948,7 +5949,7 @@
           <a:p>
             <a:fld id="{1868F417-BAD8-4F21-9FC5-C2E6B69DA515}" type="datetimeFigureOut">
               <a:rPr lang="en-US" smtClean="0"/>
-              <a:t>8/3/2020</a:t>
+              <a:t>8/4/2020</a:t>
             </a:fld>
             <a:endParaRPr lang="en-US" dirty="0"/>
           </a:p>
@@ -6089,7 +6090,7 @@
           <a:p>
             <a:fld id="{1868F417-BAD8-4F21-9FC5-C2E6B69DA515}" type="datetimeFigureOut">
               <a:rPr lang="en-US" smtClean="0"/>
-              <a:t>8/3/2020</a:t>
+              <a:t>8/4/2020</a:t>
             </a:fld>
             <a:endParaRPr lang="en-US" dirty="0"/>
           </a:p>
@@ -6202,7 +6203,7 @@
           <a:p>
             <a:fld id="{1868F417-BAD8-4F21-9FC5-C2E6B69DA515}" type="datetimeFigureOut">
               <a:rPr lang="en-US" smtClean="0"/>
-              <a:t>8/3/2020</a:t>
+              <a:t>8/4/2020</a:t>
             </a:fld>
             <a:endParaRPr lang="en-US" dirty="0"/>
           </a:p>
@@ -6513,7 +6514,7 @@
           <a:p>
             <a:fld id="{1868F417-BAD8-4F21-9FC5-C2E6B69DA515}" type="datetimeFigureOut">
               <a:rPr lang="en-US" smtClean="0"/>
-              <a:t>8/3/2020</a:t>
+              <a:t>8/4/2020</a:t>
             </a:fld>
             <a:endParaRPr lang="en-US" dirty="0"/>
           </a:p>
@@ -6801,7 +6802,7 @@
           <a:p>
             <a:fld id="{1868F417-BAD8-4F21-9FC5-C2E6B69DA515}" type="datetimeFigureOut">
               <a:rPr lang="en-US" smtClean="0"/>
-              <a:t>8/3/2020</a:t>
+              <a:t>8/4/2020</a:t>
             </a:fld>
             <a:endParaRPr lang="en-US" dirty="0"/>
           </a:p>
@@ -7042,7 +7043,7 @@
           <a:p>
             <a:fld id="{1868F417-BAD8-4F21-9FC5-C2E6B69DA515}" type="datetimeFigureOut">
               <a:rPr lang="en-US" smtClean="0"/>
-              <a:t>8/3/2020</a:t>
+              <a:t>8/4/2020</a:t>
             </a:fld>
             <a:endParaRPr lang="en-US" dirty="0"/>
           </a:p>
@@ -8141,6 +8142,369 @@
         </p:nvSpPr>
         <p:spPr>
           <a:xfrm>
+            <a:off x="742950" y="742951"/>
+            <a:ext cx="3476625" cy="4962524"/>
+          </a:xfrm>
+          <a:prstGeom prst="rect">
+            <a:avLst/>
+          </a:prstGeom>
+        </p:spPr>
+        <p:txBody>
+          <a:bodyPr vert="horz" lIns="91440" tIns="45720" rIns="91440" bIns="45720" rtlCol="0" anchor="ctr">
+            <a:normAutofit/>
+          </a:bodyPr>
+          <a:lstStyle/>
+          <a:p>
+            <a:pPr marL="0" marR="0" algn="ctr">
+              <a:lnSpc>
+                <a:spcPct val="90000"/>
+              </a:lnSpc>
+              <a:spcBef>
+                <a:spcPct val="0"/>
+              </a:spcBef>
+              <a:spcAft>
+                <a:spcPts val="1200"/>
+              </a:spcAft>
+            </a:pPr>
+            <a:r>
+              <a:rPr lang="en-US" sz="2800" b="1" dirty="0">
+                <a:solidFill>
+                  <a:srgbClr val="FFFFFF"/>
+                </a:solidFill>
+                <a:latin typeface="+mj-lt"/>
+                <a:ea typeface="+mj-ea"/>
+                <a:cs typeface="+mj-cs"/>
+              </a:rPr>
+              <a:t>O</a:t>
+            </a:r>
+            <a:r>
+              <a:rPr lang="en-US" sz="2800" b="1" kern="1200" dirty="0">
+                <a:solidFill>
+                  <a:srgbClr val="FFFFFF"/>
+                </a:solidFill>
+                <a:effectLst/>
+                <a:latin typeface="+mj-lt"/>
+                <a:ea typeface="+mj-ea"/>
+                <a:cs typeface="+mj-cs"/>
+              </a:rPr>
+              <a:t>besity Rate vs. Gender</a:t>
+            </a:r>
+          </a:p>
+          <a:p>
+            <a:pPr marL="0" marR="0" algn="ctr">
+              <a:lnSpc>
+                <a:spcPct val="90000"/>
+              </a:lnSpc>
+              <a:spcBef>
+                <a:spcPct val="0"/>
+              </a:spcBef>
+              <a:spcAft>
+                <a:spcPts val="1200"/>
+              </a:spcAft>
+            </a:pPr>
+            <a:endParaRPr lang="en-US" sz="1400" b="1" kern="1200" dirty="0">
+              <a:solidFill>
+                <a:srgbClr val="FFFFFF"/>
+              </a:solidFill>
+              <a:effectLst/>
+              <a:latin typeface="+mj-lt"/>
+              <a:ea typeface="+mj-ea"/>
+              <a:cs typeface="+mj-cs"/>
+            </a:endParaRPr>
+          </a:p>
+          <a:p>
+            <a:pPr marL="0" marR="0" algn="ctr">
+              <a:lnSpc>
+                <a:spcPct val="90000"/>
+              </a:lnSpc>
+              <a:spcBef>
+                <a:spcPct val="0"/>
+              </a:spcBef>
+              <a:spcAft>
+                <a:spcPts val="1200"/>
+              </a:spcAft>
+            </a:pPr>
+            <a:r>
+              <a:rPr lang="en-US" sz="2400" b="1" dirty="0">
+                <a:solidFill>
+                  <a:srgbClr val="FFFFFF"/>
+                </a:solidFill>
+                <a:latin typeface="+mj-lt"/>
+                <a:ea typeface="+mj-ea"/>
+                <a:cs typeface="+mj-cs"/>
+              </a:rPr>
+              <a:t>Do males or females carry more weight?</a:t>
+            </a:r>
+            <a:endParaRPr lang="en-US" sz="2400" b="1" kern="1200" dirty="0">
+              <a:solidFill>
+                <a:srgbClr val="FFFFFF"/>
+              </a:solidFill>
+              <a:effectLst/>
+              <a:latin typeface="+mj-lt"/>
+              <a:ea typeface="+mj-ea"/>
+              <a:cs typeface="+mj-cs"/>
+            </a:endParaRPr>
+          </a:p>
+          <a:p>
+            <a:pPr marL="0" marR="0" algn="ctr">
+              <a:lnSpc>
+                <a:spcPct val="90000"/>
+              </a:lnSpc>
+              <a:spcBef>
+                <a:spcPct val="0"/>
+              </a:spcBef>
+              <a:spcAft>
+                <a:spcPts val="1200"/>
+              </a:spcAft>
+            </a:pPr>
+            <a:endParaRPr lang="en-US" sz="1400" b="1" dirty="0">
+              <a:solidFill>
+                <a:srgbClr val="FFFFFF"/>
+              </a:solidFill>
+              <a:latin typeface="+mj-lt"/>
+              <a:ea typeface="+mj-ea"/>
+              <a:cs typeface="+mj-cs"/>
+            </a:endParaRPr>
+          </a:p>
+          <a:p>
+            <a:pPr marL="0" marR="0">
+              <a:lnSpc>
+                <a:spcPct val="107000"/>
+              </a:lnSpc>
+              <a:spcBef>
+                <a:spcPts val="0"/>
+              </a:spcBef>
+              <a:spcAft>
+                <a:spcPts val="800"/>
+              </a:spcAft>
+            </a:pPr>
+            <a:r>
+              <a:rPr lang="en-US" sz="1800" dirty="0">
+                <a:solidFill>
+                  <a:srgbClr val="FFFFFF"/>
+                </a:solidFill>
+                <a:effectLst/>
+                <a:latin typeface="Calibri" panose="020F0502020204030204" pitchFamily="34" charset="0"/>
+                <a:ea typeface="Calibri" panose="020F0502020204030204" pitchFamily="34" charset="0"/>
+                <a:cs typeface="Times New Roman" panose="02020603050405020304" pitchFamily="18" charset="0"/>
+              </a:rPr>
+              <a:t>Ther</a:t>
+            </a:r>
+            <a:r>
+              <a:rPr lang="en-US" dirty="0">
+                <a:solidFill>
+                  <a:srgbClr val="FFFFFF"/>
+                </a:solidFill>
+                <a:latin typeface="Calibri" panose="020F0502020204030204" pitchFamily="34" charset="0"/>
+                <a:ea typeface="Calibri" panose="020F0502020204030204" pitchFamily="34" charset="0"/>
+                <a:cs typeface="Times New Roman" panose="02020603050405020304" pitchFamily="18" charset="0"/>
+              </a:rPr>
+              <a:t>e was no significant difference between males and females.</a:t>
+            </a:r>
+            <a:endParaRPr lang="en-US" sz="1800" dirty="0">
+              <a:effectLst/>
+              <a:latin typeface="Calibri" panose="020F0502020204030204" pitchFamily="34" charset="0"/>
+              <a:ea typeface="Calibri" panose="020F0502020204030204" pitchFamily="34" charset="0"/>
+              <a:cs typeface="Times New Roman" panose="02020603050405020304" pitchFamily="18" charset="0"/>
+            </a:endParaRPr>
+          </a:p>
+          <a:p>
+            <a:pPr marL="0" marR="0" algn="ctr">
+              <a:lnSpc>
+                <a:spcPct val="90000"/>
+              </a:lnSpc>
+              <a:spcBef>
+                <a:spcPct val="0"/>
+              </a:spcBef>
+              <a:spcAft>
+                <a:spcPts val="1200"/>
+              </a:spcAft>
+            </a:pPr>
+            <a:endParaRPr lang="en-US" sz="2800" b="1" kern="1200" dirty="0">
+              <a:solidFill>
+                <a:srgbClr val="FFFFFF"/>
+              </a:solidFill>
+              <a:effectLst/>
+              <a:latin typeface="+mj-lt"/>
+              <a:ea typeface="+mj-ea"/>
+              <a:cs typeface="+mj-cs"/>
+            </a:endParaRPr>
+          </a:p>
+          <a:p>
+            <a:pPr marL="0" marR="0" algn="ctr">
+              <a:lnSpc>
+                <a:spcPct val="90000"/>
+              </a:lnSpc>
+              <a:spcBef>
+                <a:spcPct val="0"/>
+              </a:spcBef>
+              <a:spcAft>
+                <a:spcPts val="1200"/>
+              </a:spcAft>
+            </a:pPr>
+            <a:endParaRPr lang="en-US" sz="2800" b="1" kern="1200" dirty="0">
+              <a:solidFill>
+                <a:srgbClr val="FFFFFF"/>
+              </a:solidFill>
+              <a:effectLst/>
+              <a:latin typeface="+mj-lt"/>
+              <a:ea typeface="+mj-ea"/>
+              <a:cs typeface="+mj-cs"/>
+            </a:endParaRPr>
+          </a:p>
+        </p:txBody>
+      </p:sp>
+      <p:pic>
+        <p:nvPicPr>
+          <p:cNvPr id="5" name="Picture 4" descr="A picture containing device&#10;&#10;Description automatically generated">
+            <a:extLst>
+              <a:ext uri="{FF2B5EF4-FFF2-40B4-BE49-F238E27FC236}">
+                <a16:creationId xmlns:a16="http://schemas.microsoft.com/office/drawing/2014/main" id="{E7DF9E33-6FD5-4638-8202-75BB71CD4656}"/>
+              </a:ext>
+            </a:extLst>
+          </p:cNvPr>
+          <p:cNvPicPr/>
+          <p:nvPr/>
+        </p:nvPicPr>
+        <p:blipFill>
+          <a:blip r:embed="rId2">
+            <a:extLst>
+              <a:ext uri="{28A0092B-C50C-407E-A947-70E740481C1C}">
+                <a14:useLocalDpi xmlns:a14="http://schemas.microsoft.com/office/drawing/2010/main" val="0"/>
+              </a:ext>
+            </a:extLst>
+          </a:blip>
+          <a:stretch>
+            <a:fillRect/>
+          </a:stretch>
+        </p:blipFill>
+        <p:spPr>
+          <a:xfrm>
+            <a:off x="5541265" y="1271492"/>
+            <a:ext cx="5559552" cy="4315015"/>
+          </a:xfrm>
+          <a:prstGeom prst="rect">
+            <a:avLst/>
+          </a:prstGeom>
+        </p:spPr>
+      </p:pic>
+    </p:spTree>
+    <p:extLst>
+      <p:ext uri="{BB962C8B-B14F-4D97-AF65-F5344CB8AC3E}">
+        <p14:creationId xmlns:p14="http://schemas.microsoft.com/office/powerpoint/2010/main" val="3598307072"/>
+      </p:ext>
+    </p:extLst>
+  </p:cSld>
+  <p:clrMapOvr>
+    <a:masterClrMapping/>
+  </p:clrMapOvr>
+</p:sld>
+</file>
+
+<file path=ppt/slides/slide11.xml><?xml version="1.0" encoding="utf-8"?>
+<p:sld xmlns:a="http://schemas.openxmlformats.org/drawingml/2006/main" xmlns:r="http://schemas.openxmlformats.org/officeDocument/2006/relationships" xmlns:p="http://schemas.openxmlformats.org/presentationml/2006/main">
+  <p:cSld>
+    <p:bg>
+      <p:bgPr>
+        <a:solidFill>
+          <a:schemeClr val="bg1"/>
+        </a:solidFill>
+        <a:effectLst/>
+      </p:bgPr>
+    </p:bg>
+    <p:spTree>
+      <p:nvGrpSpPr>
+        <p:cNvPr id="1" name=""/>
+        <p:cNvGrpSpPr/>
+        <p:nvPr/>
+      </p:nvGrpSpPr>
+      <p:grpSpPr>
+        <a:xfrm>
+          <a:off x="0" y="0"/>
+          <a:ext cx="0" cy="0"/>
+          <a:chOff x="0" y="0"/>
+          <a:chExt cx="0" cy="0"/>
+        </a:xfrm>
+      </p:grpSpPr>
+      <p:sp>
+        <p:nvSpPr>
+          <p:cNvPr id="21" name="Rectangle 20">
+            <a:extLst>
+              <a:ext uri="{FF2B5EF4-FFF2-40B4-BE49-F238E27FC236}">
+                <a16:creationId xmlns:a16="http://schemas.microsoft.com/office/drawing/2014/main" id="{1707FC24-6981-43D9-B525-C7832BA22463}"/>
+              </a:ext>
+              <a:ext uri="{C183D7F6-B498-43B3-948B-1728B52AA6E4}">
+                <adec:decorative xmlns:adec="http://schemas.microsoft.com/office/drawing/2017/decorative" val="1"/>
+              </a:ext>
+            </a:extLst>
+          </p:cNvPr>
+          <p:cNvSpPr>
+            <a:spLocks noGrp="1" noRot="1" noChangeAspect="1" noMove="1" noResize="1" noEditPoints="1" noAdjustHandles="1" noChangeArrowheads="1" noChangeShapeType="1" noTextEdit="1"/>
+          </p:cNvSpPr>
+          <p:nvPr>
+            <p:extLst>
+              <p:ext uri="{386F3935-93C4-4BCD-93E2-E3B085C9AB24}">
+                <p16:designElem xmlns:p16="http://schemas.microsoft.com/office/powerpoint/2015/main" val="1"/>
+              </p:ext>
+            </p:extLst>
+          </p:nvPr>
+        </p:nvSpPr>
+        <p:spPr bwMode="ltGray">
+          <a:xfrm>
+            <a:off x="336884" y="311449"/>
+            <a:ext cx="4332307" cy="6179552"/>
+          </a:xfrm>
+          <a:prstGeom prst="rect">
+            <a:avLst/>
+          </a:prstGeom>
+          <a:solidFill>
+            <a:srgbClr val="404040"/>
+          </a:solidFill>
+          <a:ln w="127000" cap="sq" cmpd="thinThick">
+            <a:solidFill>
+              <a:srgbClr val="404040"/>
+            </a:solidFill>
+          </a:ln>
+        </p:spPr>
+        <p:style>
+          <a:lnRef idx="2">
+            <a:schemeClr val="accent1">
+              <a:shade val="50000"/>
+            </a:schemeClr>
+          </a:lnRef>
+          <a:fillRef idx="1">
+            <a:schemeClr val="accent1"/>
+          </a:fillRef>
+          <a:effectRef idx="0">
+            <a:schemeClr val="accent1"/>
+          </a:effectRef>
+          <a:fontRef idx="minor">
+            <a:schemeClr val="lt1"/>
+          </a:fontRef>
+        </p:style>
+        <p:txBody>
+          <a:bodyPr rtlCol="0" anchor="ctr"/>
+          <a:lstStyle/>
+          <a:p>
+            <a:pPr algn="ctr"/>
+            <a:endParaRPr lang="en-US" dirty="0"/>
+          </a:p>
+        </p:txBody>
+      </p:sp>
+      <p:sp>
+        <p:nvSpPr>
+          <p:cNvPr id="7" name="TextBox 6">
+            <a:extLst>
+              <a:ext uri="{FF2B5EF4-FFF2-40B4-BE49-F238E27FC236}">
+                <a16:creationId xmlns:a16="http://schemas.microsoft.com/office/drawing/2014/main" id="{E916F681-DC89-4950-A0EC-C0BA68476916}"/>
+              </a:ext>
+            </a:extLst>
+          </p:cNvPr>
+          <p:cNvSpPr txBox="1"/>
+          <p:nvPr/>
+        </p:nvSpPr>
+        <p:spPr>
+          <a:xfrm>
             <a:off x="636105" y="742951"/>
             <a:ext cx="3684104" cy="4962524"/>
           </a:xfrm>
@@ -8398,7 +8762,7 @@
 </p:sld>
 </file>
 
-<file path=ppt/slides/slide11.xml><?xml version="1.0" encoding="utf-8"?>
+<file path=ppt/slides/slide12.xml><?xml version="1.0" encoding="utf-8"?>
 <p:sld xmlns:a="http://schemas.openxmlformats.org/drawingml/2006/main" xmlns:r="http://schemas.openxmlformats.org/officeDocument/2006/relationships" xmlns:p="http://schemas.openxmlformats.org/presentationml/2006/main">
   <p:cSld>
     <p:bg>
@@ -8547,31 +8911,7 @@
                 <a:ea typeface="+mj-ea"/>
                 <a:cs typeface="+mj-cs"/>
               </a:rPr>
-              <a:t>besity </a:t>
-            </a:r>
-            <a:r>
-              <a:rPr lang="en-US" sz="2800" b="1" kern="1200" dirty="0" err="1">
-                <a:solidFill>
-                  <a:srgbClr val="FFFFFF"/>
-                </a:solidFill>
-                <a:effectLst/>
-                <a:latin typeface="+mj-lt"/>
-                <a:ea typeface="+mj-ea"/>
-                <a:cs typeface="+mj-cs"/>
-              </a:rPr>
-              <a:t>Ratesvs</a:t>
-            </a:r>
-            <a:r>
-              <a:rPr lang="en-US" sz="2800" b="1" kern="1200" dirty="0">
-                <a:solidFill>
-                  <a:srgbClr val="FFFFFF"/>
-                </a:solidFill>
-                <a:effectLst/>
-                <a:latin typeface="+mj-lt"/>
-                <a:ea typeface="+mj-ea"/>
-                <a:cs typeface="+mj-cs"/>
-              </a:rPr>
-              <a:t>. Income</a:t>
+              <a:t>besity Rate vs. Income</a:t>
             </a:r>
           </a:p>
           <a:p>
@@ -8763,7 +9103,7 @@
 </p:sld>
 </file>
 
-<file path=ppt/slides/slide12.xml><?xml version="1.0" encoding="utf-8"?>
+<file path=ppt/slides/slide13.xml><?xml version="1.0" encoding="utf-8"?>
 <p:sld xmlns:a="http://schemas.openxmlformats.org/drawingml/2006/main" xmlns:r="http://schemas.openxmlformats.org/officeDocument/2006/relationships" xmlns:p="http://schemas.openxmlformats.org/presentationml/2006/main">
   <p:cSld>
     <p:bg>
@@ -9394,7 +9734,7 @@
 </p:sld>
 </file>
 
-<file path=ppt/slides/slide13.xml><?xml version="1.0" encoding="utf-8"?>
+<file path=ppt/slides/slide14.xml><?xml version="1.0" encoding="utf-8"?>
 <p:sld xmlns:a="http://schemas.openxmlformats.org/drawingml/2006/main" xmlns:r="http://schemas.openxmlformats.org/officeDocument/2006/relationships" xmlns:p="http://schemas.openxmlformats.org/presentationml/2006/main">
   <p:cSld>
     <p:bg>
@@ -9800,7 +10140,7 @@
 </p:sld>
 </file>
 
-<file path=ppt/slides/slide14.xml><?xml version="1.0" encoding="utf-8"?>
+<file path=ppt/slides/slide15.xml><?xml version="1.0" encoding="utf-8"?>
 <p:sld xmlns:a="http://schemas.openxmlformats.org/drawingml/2006/main" xmlns:r="http://schemas.openxmlformats.org/officeDocument/2006/relationships" xmlns:p="http://schemas.openxmlformats.org/presentationml/2006/main">
   <p:cSld>
     <p:bg>
@@ -10189,7 +10529,7 @@
 </p:sld>
 </file>
 
-<file path=ppt/slides/slide15.xml><?xml version="1.0" encoding="utf-8"?>
+<file path=ppt/slides/slide16.xml><?xml version="1.0" encoding="utf-8"?>
 <p:sld xmlns:a="http://schemas.openxmlformats.org/drawingml/2006/main" xmlns:r="http://schemas.openxmlformats.org/officeDocument/2006/relationships" xmlns:p="http://schemas.openxmlformats.org/presentationml/2006/main">
   <p:cSld>
     <p:bg>
@@ -10624,7 +10964,7 @@
 </p:sld>
 </file>
 
-<file path=ppt/slides/slide16.xml><?xml version="1.0" encoding="utf-8"?>
+<file path=ppt/slides/slide17.xml><?xml version="1.0" encoding="utf-8"?>
 <p:sld xmlns:a="http://schemas.openxmlformats.org/drawingml/2006/main" xmlns:r="http://schemas.openxmlformats.org/officeDocument/2006/relationships" xmlns:p="http://schemas.openxmlformats.org/presentationml/2006/main">
   <p:cSld>
     <p:bg>
@@ -11661,6 +12001,294 @@
     <p:bg>
       <p:bgPr>
         <a:solidFill>
+          <a:schemeClr val="bg1"/>
+        </a:solidFill>
+        <a:effectLst/>
+      </p:bgPr>
+    </p:bg>
+    <p:spTree>
+      <p:nvGrpSpPr>
+        <p:cNvPr id="1" name=""/>
+        <p:cNvGrpSpPr/>
+        <p:nvPr/>
+      </p:nvGrpSpPr>
+      <p:grpSpPr>
+        <a:xfrm>
+          <a:off x="0" y="0"/>
+          <a:ext cx="0" cy="0"/>
+          <a:chOff x="0" y="0"/>
+          <a:chExt cx="0" cy="0"/>
+        </a:xfrm>
+      </p:grpSpPr>
+      <p:sp>
+        <p:nvSpPr>
+          <p:cNvPr id="21" name="Rectangle 20">
+            <a:extLst>
+              <a:ext uri="{FF2B5EF4-FFF2-40B4-BE49-F238E27FC236}">
+                <a16:creationId xmlns:a16="http://schemas.microsoft.com/office/drawing/2014/main" id="{1707FC24-6981-43D9-B525-C7832BA22463}"/>
+              </a:ext>
+              <a:ext uri="{C183D7F6-B498-43B3-948B-1728B52AA6E4}">
+                <adec:decorative xmlns:adec="http://schemas.microsoft.com/office/drawing/2017/decorative" val="1"/>
+              </a:ext>
+            </a:extLst>
+          </p:cNvPr>
+          <p:cNvSpPr>
+            <a:spLocks noGrp="1" noRot="1" noChangeAspect="1" noMove="1" noResize="1" noEditPoints="1" noAdjustHandles="1" noChangeArrowheads="1" noChangeShapeType="1" noTextEdit="1"/>
+          </p:cNvSpPr>
+          <p:nvPr>
+            <p:extLst>
+              <p:ext uri="{386F3935-93C4-4BCD-93E2-E3B085C9AB24}">
+                <p16:designElem xmlns:p16="http://schemas.microsoft.com/office/powerpoint/2015/main" val="1"/>
+              </p:ext>
+            </p:extLst>
+          </p:nvPr>
+        </p:nvSpPr>
+        <p:spPr bwMode="ltGray">
+          <a:xfrm>
+            <a:off x="336884" y="311449"/>
+            <a:ext cx="4332307" cy="6179552"/>
+          </a:xfrm>
+          <a:prstGeom prst="rect">
+            <a:avLst/>
+          </a:prstGeom>
+          <a:solidFill>
+            <a:srgbClr val="404040"/>
+          </a:solidFill>
+          <a:ln w="127000" cap="sq" cmpd="thinThick">
+            <a:solidFill>
+              <a:srgbClr val="404040"/>
+            </a:solidFill>
+          </a:ln>
+        </p:spPr>
+        <p:style>
+          <a:lnRef idx="2">
+            <a:schemeClr val="accent1">
+              <a:shade val="50000"/>
+            </a:schemeClr>
+          </a:lnRef>
+          <a:fillRef idx="1">
+            <a:schemeClr val="accent1"/>
+          </a:fillRef>
+          <a:effectRef idx="0">
+            <a:schemeClr val="accent1"/>
+          </a:effectRef>
+          <a:fontRef idx="minor">
+            <a:schemeClr val="lt1"/>
+          </a:fontRef>
+        </p:style>
+        <p:txBody>
+          <a:bodyPr rtlCol="0" anchor="ctr"/>
+          <a:lstStyle/>
+          <a:p>
+            <a:pPr algn="ctr"/>
+            <a:endParaRPr lang="en-US" dirty="0"/>
+          </a:p>
+        </p:txBody>
+      </p:sp>
+      <p:sp>
+        <p:nvSpPr>
+          <p:cNvPr id="7" name="TextBox 6">
+            <a:extLst>
+              <a:ext uri="{FF2B5EF4-FFF2-40B4-BE49-F238E27FC236}">
+                <a16:creationId xmlns:a16="http://schemas.microsoft.com/office/drawing/2014/main" id="{E916F681-DC89-4950-A0EC-C0BA68476916}"/>
+              </a:ext>
+            </a:extLst>
+          </p:cNvPr>
+          <p:cNvSpPr txBox="1"/>
+          <p:nvPr/>
+        </p:nvSpPr>
+        <p:spPr>
+          <a:xfrm>
+            <a:off x="742950" y="742951"/>
+            <a:ext cx="3476625" cy="4962524"/>
+          </a:xfrm>
+          <a:prstGeom prst="rect">
+            <a:avLst/>
+          </a:prstGeom>
+        </p:spPr>
+        <p:txBody>
+          <a:bodyPr vert="horz" lIns="91440" tIns="45720" rIns="91440" bIns="45720" rtlCol="0" anchor="ctr">
+            <a:normAutofit/>
+          </a:bodyPr>
+          <a:lstStyle/>
+          <a:p>
+            <a:pPr marL="0" marR="0" algn="ctr">
+              <a:lnSpc>
+                <a:spcPct val="90000"/>
+              </a:lnSpc>
+              <a:spcBef>
+                <a:spcPct val="0"/>
+              </a:spcBef>
+              <a:spcAft>
+                <a:spcPts val="1200"/>
+              </a:spcAft>
+            </a:pPr>
+            <a:r>
+              <a:rPr lang="en-US" sz="2800" b="1" kern="1200" dirty="0">
+                <a:solidFill>
+                  <a:srgbClr val="FFFFFF"/>
+                </a:solidFill>
+                <a:effectLst/>
+                <a:latin typeface="+mj-lt"/>
+                <a:ea typeface="+mj-ea"/>
+                <a:cs typeface="+mj-cs"/>
+              </a:rPr>
+              <a:t>Obesity Rates</a:t>
+            </a:r>
+          </a:p>
+          <a:p>
+            <a:pPr marL="0" marR="0" algn="ctr">
+              <a:lnSpc>
+                <a:spcPct val="90000"/>
+              </a:lnSpc>
+              <a:spcBef>
+                <a:spcPct val="0"/>
+              </a:spcBef>
+              <a:spcAft>
+                <a:spcPts val="1200"/>
+              </a:spcAft>
+            </a:pPr>
+            <a:r>
+              <a:rPr lang="en-US" sz="2800" b="1" dirty="0">
+                <a:solidFill>
+                  <a:srgbClr val="FFFFFF"/>
+                </a:solidFill>
+                <a:latin typeface="+mj-lt"/>
+                <a:ea typeface="+mj-ea"/>
+                <a:cs typeface="+mj-cs"/>
+              </a:rPr>
+              <a:t>2011 - 2018</a:t>
+            </a:r>
+            <a:endParaRPr lang="en-US" sz="1800" dirty="0">
+              <a:solidFill>
+                <a:srgbClr val="FFFFFF"/>
+              </a:solidFill>
+              <a:effectLst/>
+              <a:latin typeface="Calibri" panose="020F0502020204030204" pitchFamily="34" charset="0"/>
+              <a:ea typeface="Calibri" panose="020F0502020204030204" pitchFamily="34" charset="0"/>
+              <a:cs typeface="Times New Roman" panose="02020603050405020304" pitchFamily="18" charset="0"/>
+            </a:endParaRPr>
+          </a:p>
+          <a:p>
+            <a:pPr marL="0" marR="0">
+              <a:lnSpc>
+                <a:spcPct val="107000"/>
+              </a:lnSpc>
+              <a:spcBef>
+                <a:spcPts val="0"/>
+              </a:spcBef>
+              <a:spcAft>
+                <a:spcPts val="800"/>
+              </a:spcAft>
+            </a:pPr>
+            <a:endParaRPr lang="en-US" sz="1800" dirty="0">
+              <a:effectLst/>
+              <a:latin typeface="Calibri" panose="020F0502020204030204" pitchFamily="34" charset="0"/>
+              <a:ea typeface="Calibri" panose="020F0502020204030204" pitchFamily="34" charset="0"/>
+              <a:cs typeface="Times New Roman" panose="02020603050405020304" pitchFamily="18" charset="0"/>
+            </a:endParaRPr>
+          </a:p>
+          <a:p>
+            <a:pPr marL="0" marR="0" algn="ctr">
+              <a:lnSpc>
+                <a:spcPct val="90000"/>
+              </a:lnSpc>
+              <a:spcBef>
+                <a:spcPct val="0"/>
+              </a:spcBef>
+              <a:spcAft>
+                <a:spcPts val="1200"/>
+              </a:spcAft>
+            </a:pPr>
+            <a:endParaRPr lang="en-US" sz="2800" b="1" kern="1200" dirty="0">
+              <a:solidFill>
+                <a:srgbClr val="FFFFFF"/>
+              </a:solidFill>
+              <a:effectLst/>
+              <a:latin typeface="+mj-lt"/>
+              <a:ea typeface="+mj-ea"/>
+              <a:cs typeface="+mj-cs"/>
+            </a:endParaRPr>
+          </a:p>
+          <a:p>
+            <a:pPr marL="0" marR="0" algn="ctr">
+              <a:lnSpc>
+                <a:spcPct val="90000"/>
+              </a:lnSpc>
+              <a:spcBef>
+                <a:spcPct val="0"/>
+              </a:spcBef>
+              <a:spcAft>
+                <a:spcPts val="1200"/>
+              </a:spcAft>
+            </a:pPr>
+            <a:endParaRPr lang="en-US" sz="2800" b="1" kern="1200" dirty="0">
+              <a:solidFill>
+                <a:srgbClr val="FFFFFF"/>
+              </a:solidFill>
+              <a:effectLst/>
+              <a:latin typeface="+mj-lt"/>
+              <a:ea typeface="+mj-ea"/>
+              <a:cs typeface="+mj-cs"/>
+            </a:endParaRPr>
+          </a:p>
+        </p:txBody>
+      </p:sp>
+      <p:pic>
+        <p:nvPicPr>
+          <p:cNvPr id="6" name="Picture 5" descr="A close up of a map&#10;&#10;Description automatically generated">
+            <a:extLst>
+              <a:ext uri="{FF2B5EF4-FFF2-40B4-BE49-F238E27FC236}">
+                <a16:creationId xmlns:a16="http://schemas.microsoft.com/office/drawing/2014/main" id="{05FBDB6E-1A61-4ADA-8BC0-974A32DAFCA4}"/>
+              </a:ext>
+            </a:extLst>
+          </p:cNvPr>
+          <p:cNvPicPr>
+            <a:picLocks noChangeAspect="1"/>
+          </p:cNvPicPr>
+          <p:nvPr/>
+        </p:nvPicPr>
+        <p:blipFill>
+          <a:blip r:embed="rId2">
+            <a:extLst>
+              <a:ext uri="{28A0092B-C50C-407E-A947-70E740481C1C}">
+                <a14:useLocalDpi xmlns:a14="http://schemas.microsoft.com/office/drawing/2010/main" val="0"/>
+              </a:ext>
+            </a:extLst>
+          </a:blip>
+          <a:stretch>
+            <a:fillRect/>
+          </a:stretch>
+        </p:blipFill>
+        <p:spPr>
+          <a:xfrm>
+            <a:off x="4937156" y="-59960"/>
+            <a:ext cx="6917960" cy="6917960"/>
+          </a:xfrm>
+          <a:prstGeom prst="rect">
+            <a:avLst/>
+          </a:prstGeom>
+        </p:spPr>
+      </p:pic>
+    </p:spTree>
+    <p:extLst>
+      <p:ext uri="{BB962C8B-B14F-4D97-AF65-F5344CB8AC3E}">
+        <p14:creationId xmlns:p14="http://schemas.microsoft.com/office/powerpoint/2010/main" val="1551187699"/>
+      </p:ext>
+    </p:extLst>
+  </p:cSld>
+  <p:clrMapOvr>
+    <a:masterClrMapping/>
+  </p:clrMapOvr>
+</p:sld>
+</file>
+
+<file path=ppt/slides/slide4.xml><?xml version="1.0" encoding="utf-8"?>
+<p:sld xmlns:a="http://schemas.openxmlformats.org/drawingml/2006/main" xmlns:r="http://schemas.openxmlformats.org/officeDocument/2006/relationships" xmlns:p="http://schemas.openxmlformats.org/presentationml/2006/main">
+  <p:cSld>
+    <p:bg>
+      <p:bgPr>
+        <a:solidFill>
           <a:schemeClr val="tx1">
             <a:lumMod val="65000"/>
             <a:lumOff val="35000"/>
@@ -11859,7 +12487,7 @@
 </p:sld>
 </file>
 
-<file path=ppt/slides/slide4.xml><?xml version="1.0" encoding="utf-8"?>
+<file path=ppt/slides/slide5.xml><?xml version="1.0" encoding="utf-8"?>
 <p:sld xmlns:a="http://schemas.openxmlformats.org/drawingml/2006/main" xmlns:r="http://schemas.openxmlformats.org/officeDocument/2006/relationships" xmlns:p="http://schemas.openxmlformats.org/presentationml/2006/main">
   <p:cSld>
     <p:bg>
@@ -12356,7 +12984,7 @@
 </p:sld>
 </file>
 
-<file path=ppt/slides/slide5.xml><?xml version="1.0" encoding="utf-8"?>
+<file path=ppt/slides/slide6.xml><?xml version="1.0" encoding="utf-8"?>
 <p:sld xmlns:a="http://schemas.openxmlformats.org/drawingml/2006/main" xmlns:r="http://schemas.openxmlformats.org/officeDocument/2006/relationships" xmlns:p="http://schemas.openxmlformats.org/presentationml/2006/main">
   <p:cSld>
     <p:bg>
@@ -12810,7 +13438,7 @@
 </p:sld>
 </file>
 
-<file path=ppt/slides/slide6.xml><?xml version="1.0" encoding="utf-8"?>
+<file path=ppt/slides/slide7.xml><?xml version="1.0" encoding="utf-8"?>
 <p:sld xmlns:a="http://schemas.openxmlformats.org/drawingml/2006/main" xmlns:r="http://schemas.openxmlformats.org/officeDocument/2006/relationships" xmlns:p="http://schemas.openxmlformats.org/presentationml/2006/main">
   <p:cSld>
     <p:bg>
@@ -13083,7 +13711,7 @@
 </p:sld>
 </file>
 
-<file path=ppt/slides/slide7.xml><?xml version="1.0" encoding="utf-8"?>
+<file path=ppt/slides/slide8.xml><?xml version="1.0" encoding="utf-8"?>
 <p:sld xmlns:a="http://schemas.openxmlformats.org/drawingml/2006/main" xmlns:r="http://schemas.openxmlformats.org/officeDocument/2006/relationships" xmlns:p="http://schemas.openxmlformats.org/presentationml/2006/main">
   <p:cSld>
     <p:bg>
@@ -13753,7 +14381,7 @@
 </p:sld>
 </file>
 
-<file path=ppt/slides/slide8.xml><?xml version="1.0" encoding="utf-8"?>
+<file path=ppt/slides/slide9.xml><?xml version="1.0" encoding="utf-8"?>
 <p:sld xmlns:a="http://schemas.openxmlformats.org/drawingml/2006/main" xmlns:r="http://schemas.openxmlformats.org/officeDocument/2006/relationships" xmlns:p="http://schemas.openxmlformats.org/presentationml/2006/main">
   <p:cSld>
     <p:bg>
@@ -14112,369 +14740,6 @@
     <p:extLst>
       <p:ext uri="{BB962C8B-B14F-4D97-AF65-F5344CB8AC3E}">
         <p14:creationId xmlns:p14="http://schemas.microsoft.com/office/powerpoint/2010/main" val="319180281"/>
-      </p:ext>
-    </p:extLst>
-  </p:cSld>
-  <p:clrMapOvr>
-    <a:masterClrMapping/>
-  </p:clrMapOvr>
-</p:sld>
-</file>
-
-<file path=ppt/slides/slide9.xml><?xml version="1.0" encoding="utf-8"?>
-<p:sld xmlns:a="http://schemas.openxmlformats.org/drawingml/2006/main" xmlns:r="http://schemas.openxmlformats.org/officeDocument/2006/relationships" xmlns:p="http://schemas.openxmlformats.org/presentationml/2006/main">
-  <p:cSld>
-    <p:bg>
-      <p:bgPr>
-        <a:solidFill>
-          <a:schemeClr val="bg1"/>
-        </a:solidFill>
-        <a:effectLst/>
-      </p:bgPr>
-    </p:bg>
-    <p:spTree>
-      <p:nvGrpSpPr>
-        <p:cNvPr id="1" name=""/>
-        <p:cNvGrpSpPr/>
-        <p:nvPr/>
-      </p:nvGrpSpPr>
-      <p:grpSpPr>
-        <a:xfrm>
-          <a:off x="0" y="0"/>
-          <a:ext cx="0" cy="0"/>
-          <a:chOff x="0" y="0"/>
-          <a:chExt cx="0" cy="0"/>
-        </a:xfrm>
-      </p:grpSpPr>
-      <p:sp>
-        <p:nvSpPr>
-          <p:cNvPr id="21" name="Rectangle 20">
-            <a:extLst>
-              <a:ext uri="{FF2B5EF4-FFF2-40B4-BE49-F238E27FC236}">
-                <a16:creationId xmlns:a16="http://schemas.microsoft.com/office/drawing/2014/main" id="{1707FC24-6981-43D9-B525-C7832BA22463}"/>
-              </a:ext>
-              <a:ext uri="{C183D7F6-B498-43B3-948B-1728B52AA6E4}">
-                <adec:decorative xmlns:adec="http://schemas.microsoft.com/office/drawing/2017/decorative" val="1"/>
-              </a:ext>
-            </a:extLst>
-          </p:cNvPr>
-          <p:cNvSpPr>
-            <a:spLocks noGrp="1" noRot="1" noChangeAspect="1" noMove="1" noResize="1" noEditPoints="1" noAdjustHandles="1" noChangeArrowheads="1" noChangeShapeType="1" noTextEdit="1"/>
-          </p:cNvSpPr>
-          <p:nvPr>
-            <p:extLst>
-              <p:ext uri="{386F3935-93C4-4BCD-93E2-E3B085C9AB24}">
-                <p16:designElem xmlns:p16="http://schemas.microsoft.com/office/powerpoint/2015/main" val="1"/>
-              </p:ext>
-            </p:extLst>
-          </p:nvPr>
-        </p:nvSpPr>
-        <p:spPr bwMode="ltGray">
-          <a:xfrm>
-            <a:off x="336884" y="311449"/>
-            <a:ext cx="4332307" cy="6179552"/>
-          </a:xfrm>
-          <a:prstGeom prst="rect">
-            <a:avLst/>
-          </a:prstGeom>
-          <a:solidFill>
-            <a:srgbClr val="404040"/>
-          </a:solidFill>
-          <a:ln w="127000" cap="sq" cmpd="thinThick">
-            <a:solidFill>
-              <a:srgbClr val="404040"/>
-            </a:solidFill>
-          </a:ln>
-        </p:spPr>
-        <p:style>
-          <a:lnRef idx="2">
-            <a:schemeClr val="accent1">
-              <a:shade val="50000"/>
-            </a:schemeClr>
-          </a:lnRef>
-          <a:fillRef idx="1">
-            <a:schemeClr val="accent1"/>
-          </a:fillRef>
-          <a:effectRef idx="0">
-            <a:schemeClr val="accent1"/>
-          </a:effectRef>
-          <a:fontRef idx="minor">
-            <a:schemeClr val="lt1"/>
-          </a:fontRef>
-        </p:style>
-        <p:txBody>
-          <a:bodyPr rtlCol="0" anchor="ctr"/>
-          <a:lstStyle/>
-          <a:p>
-            <a:pPr algn="ctr"/>
-            <a:endParaRPr lang="en-US" dirty="0"/>
-          </a:p>
-        </p:txBody>
-      </p:sp>
-      <p:sp>
-        <p:nvSpPr>
-          <p:cNvPr id="7" name="TextBox 6">
-            <a:extLst>
-              <a:ext uri="{FF2B5EF4-FFF2-40B4-BE49-F238E27FC236}">
-                <a16:creationId xmlns:a16="http://schemas.microsoft.com/office/drawing/2014/main" id="{E916F681-DC89-4950-A0EC-C0BA68476916}"/>
-              </a:ext>
-            </a:extLst>
-          </p:cNvPr>
-          <p:cNvSpPr txBox="1"/>
-          <p:nvPr/>
-        </p:nvSpPr>
-        <p:spPr>
-          <a:xfrm>
-            <a:off x="742950" y="742951"/>
-            <a:ext cx="3476625" cy="4962524"/>
-          </a:xfrm>
-          <a:prstGeom prst="rect">
-            <a:avLst/>
-          </a:prstGeom>
-        </p:spPr>
-        <p:txBody>
-          <a:bodyPr vert="horz" lIns="91440" tIns="45720" rIns="91440" bIns="45720" rtlCol="0" anchor="ctr">
-            <a:normAutofit/>
-          </a:bodyPr>
-          <a:lstStyle/>
-          <a:p>
-            <a:pPr marL="0" marR="0" algn="ctr">
-              <a:lnSpc>
-                <a:spcPct val="90000"/>
-              </a:lnSpc>
-              <a:spcBef>
-                <a:spcPct val="0"/>
-              </a:spcBef>
-              <a:spcAft>
-                <a:spcPts val="1200"/>
-              </a:spcAft>
-            </a:pPr>
-            <a:r>
-              <a:rPr lang="en-US" sz="2800" b="1" dirty="0">
-                <a:solidFill>
-                  <a:srgbClr val="FFFFFF"/>
-                </a:solidFill>
-                <a:latin typeface="+mj-lt"/>
-                <a:ea typeface="+mj-ea"/>
-                <a:cs typeface="+mj-cs"/>
-              </a:rPr>
-              <a:t>O</a:t>
-            </a:r>
-            <a:r>
-              <a:rPr lang="en-US" sz="2800" b="1" kern="1200" dirty="0">
-                <a:solidFill>
-                  <a:srgbClr val="FFFFFF"/>
-                </a:solidFill>
-                <a:effectLst/>
-                <a:latin typeface="+mj-lt"/>
-                <a:ea typeface="+mj-ea"/>
-                <a:cs typeface="+mj-cs"/>
-              </a:rPr>
-              <a:t>besity Rate vs. Gender</a:t>
-            </a:r>
-          </a:p>
-          <a:p>
-            <a:pPr marL="0" marR="0" algn="ctr">
-              <a:lnSpc>
-                <a:spcPct val="90000"/>
-              </a:lnSpc>
-              <a:spcBef>
-                <a:spcPct val="0"/>
-              </a:spcBef>
-              <a:spcAft>
-                <a:spcPts val="1200"/>
-              </a:spcAft>
-            </a:pPr>
-            <a:endParaRPr lang="en-US" sz="1400" b="1" kern="1200" dirty="0">
-              <a:solidFill>
-                <a:srgbClr val="FFFFFF"/>
-              </a:solidFill>
-              <a:effectLst/>
-              <a:latin typeface="+mj-lt"/>
-              <a:ea typeface="+mj-ea"/>
-              <a:cs typeface="+mj-cs"/>
-            </a:endParaRPr>
-          </a:p>
-          <a:p>
-            <a:pPr marL="0" marR="0" algn="ctr">
-              <a:lnSpc>
-                <a:spcPct val="90000"/>
-              </a:lnSpc>
-              <a:spcBef>
-                <a:spcPct val="0"/>
-              </a:spcBef>
-              <a:spcAft>
-                <a:spcPts val="1200"/>
-              </a:spcAft>
-            </a:pPr>
-            <a:r>
-              <a:rPr lang="en-US" sz="2400" b="1" dirty="0">
-                <a:solidFill>
-                  <a:srgbClr val="FFFFFF"/>
-                </a:solidFill>
-                <a:latin typeface="+mj-lt"/>
-                <a:ea typeface="+mj-ea"/>
-                <a:cs typeface="+mj-cs"/>
-              </a:rPr>
-              <a:t>Do males or females carry more weight?</a:t>
-            </a:r>
-            <a:endParaRPr lang="en-US" sz="2400" b="1" kern="1200" dirty="0">
-              <a:solidFill>
-                <a:srgbClr val="FFFFFF"/>
-              </a:solidFill>
-              <a:effectLst/>
-              <a:latin typeface="+mj-lt"/>
-              <a:ea typeface="+mj-ea"/>
-              <a:cs typeface="+mj-cs"/>
-            </a:endParaRPr>
-          </a:p>
-          <a:p>
-            <a:pPr marL="0" marR="0" algn="ctr">
-              <a:lnSpc>
-                <a:spcPct val="90000"/>
-              </a:lnSpc>
-              <a:spcBef>
-                <a:spcPct val="0"/>
-              </a:spcBef>
-              <a:spcAft>
-                <a:spcPts val="1200"/>
-              </a:spcAft>
-            </a:pPr>
-            <a:endParaRPr lang="en-US" sz="1400" b="1" dirty="0">
-              <a:solidFill>
-                <a:srgbClr val="FFFFFF"/>
-              </a:solidFill>
-              <a:latin typeface="+mj-lt"/>
-              <a:ea typeface="+mj-ea"/>
-              <a:cs typeface="+mj-cs"/>
-            </a:endParaRPr>
-          </a:p>
-          <a:p>
-            <a:pPr marL="0" marR="0">
-              <a:lnSpc>
-                <a:spcPct val="107000"/>
-              </a:lnSpc>
-              <a:spcBef>
-                <a:spcPts val="0"/>
-              </a:spcBef>
-              <a:spcAft>
-                <a:spcPts val="800"/>
-              </a:spcAft>
-            </a:pPr>
-            <a:r>
-              <a:rPr lang="en-US" sz="1800" dirty="0">
-                <a:solidFill>
-                  <a:srgbClr val="FFFFFF"/>
-                </a:solidFill>
-                <a:effectLst/>
-                <a:latin typeface="Calibri" panose="020F0502020204030204" pitchFamily="34" charset="0"/>
-                <a:ea typeface="Calibri" panose="020F0502020204030204" pitchFamily="34" charset="0"/>
-                <a:cs typeface="Times New Roman" panose="02020603050405020304" pitchFamily="18" charset="0"/>
-              </a:rPr>
-              <a:t>Ther</a:t>
-            </a:r>
-            <a:r>
-              <a:rPr lang="en-US" dirty="0">
-                <a:solidFill>
-                  <a:srgbClr val="FFFFFF"/>
-                </a:solidFill>
-                <a:latin typeface="Calibri" panose="020F0502020204030204" pitchFamily="34" charset="0"/>
-                <a:ea typeface="Calibri" panose="020F0502020204030204" pitchFamily="34" charset="0"/>
-                <a:cs typeface="Times New Roman" panose="02020603050405020304" pitchFamily="18" charset="0"/>
-              </a:rPr>
-              <a:t>e was no significant difference between males and females.</a:t>
-            </a:r>
-            <a:endParaRPr lang="en-US" sz="1800" dirty="0">
-              <a:effectLst/>
-              <a:latin typeface="Calibri" panose="020F0502020204030204" pitchFamily="34" charset="0"/>
-              <a:ea typeface="Calibri" panose="020F0502020204030204" pitchFamily="34" charset="0"/>
-              <a:cs typeface="Times New Roman" panose="02020603050405020304" pitchFamily="18" charset="0"/>
-            </a:endParaRPr>
-          </a:p>
-          <a:p>
-            <a:pPr marL="0" marR="0" algn="ctr">
-              <a:lnSpc>
-                <a:spcPct val="90000"/>
-              </a:lnSpc>
-              <a:spcBef>
-                <a:spcPct val="0"/>
-              </a:spcBef>
-              <a:spcAft>
-                <a:spcPts val="1200"/>
-              </a:spcAft>
-            </a:pPr>
-            <a:endParaRPr lang="en-US" sz="2800" b="1" kern="1200" dirty="0">
-              <a:solidFill>
-                <a:srgbClr val="FFFFFF"/>
-              </a:solidFill>
-              <a:effectLst/>
-              <a:latin typeface="+mj-lt"/>
-              <a:ea typeface="+mj-ea"/>
-              <a:cs typeface="+mj-cs"/>
-            </a:endParaRPr>
-          </a:p>
-          <a:p>
-            <a:pPr marL="0" marR="0" algn="ctr">
-              <a:lnSpc>
-                <a:spcPct val="90000"/>
-              </a:lnSpc>
-              <a:spcBef>
-                <a:spcPct val="0"/>
-              </a:spcBef>
-              <a:spcAft>
-                <a:spcPts val="1200"/>
-              </a:spcAft>
-            </a:pPr>
-            <a:endParaRPr lang="en-US" sz="2800" b="1" kern="1200" dirty="0">
-              <a:solidFill>
-                <a:srgbClr val="FFFFFF"/>
-              </a:solidFill>
-              <a:effectLst/>
-              <a:latin typeface="+mj-lt"/>
-              <a:ea typeface="+mj-ea"/>
-              <a:cs typeface="+mj-cs"/>
-            </a:endParaRPr>
-          </a:p>
-        </p:txBody>
-      </p:sp>
-      <p:pic>
-        <p:nvPicPr>
-          <p:cNvPr id="5" name="Picture 4" descr="A picture containing device&#10;&#10;Description automatically generated">
-            <a:extLst>
-              <a:ext uri="{FF2B5EF4-FFF2-40B4-BE49-F238E27FC236}">
-                <a16:creationId xmlns:a16="http://schemas.microsoft.com/office/drawing/2014/main" id="{E7DF9E33-6FD5-4638-8202-75BB71CD4656}"/>
-              </a:ext>
-            </a:extLst>
-          </p:cNvPr>
-          <p:cNvPicPr/>
-          <p:nvPr/>
-        </p:nvPicPr>
-        <p:blipFill>
-          <a:blip r:embed="rId2">
-            <a:extLst>
-              <a:ext uri="{28A0092B-C50C-407E-A947-70E740481C1C}">
-                <a14:useLocalDpi xmlns:a14="http://schemas.microsoft.com/office/drawing/2010/main" val="0"/>
-              </a:ext>
-            </a:extLst>
-          </a:blip>
-          <a:stretch>
-            <a:fillRect/>
-          </a:stretch>
-        </p:blipFill>
-        <p:spPr>
-          <a:xfrm>
-            <a:off x="5541265" y="1271492"/>
-            <a:ext cx="5559552" cy="4315015"/>
-          </a:xfrm>
-          <a:prstGeom prst="rect">
-            <a:avLst/>
-          </a:prstGeom>
-        </p:spPr>
-      </p:pic>
-    </p:spTree>
-    <p:extLst>
-      <p:ext uri="{BB962C8B-B14F-4D97-AF65-F5344CB8AC3E}">
-        <p14:creationId xmlns:p14="http://schemas.microsoft.com/office/powerpoint/2010/main" val="3598307072"/>
       </p:ext>
     </p:extLst>
   </p:cSld>
